--- a/Emotion based emoji suggestion.pptx
+++ b/Emotion based emoji suggestion.pptx
@@ -5,7 +5,7 @@
     <p:sldMasterId id="2147483650" r:id="rId1"/>
   </p:sldMasterIdLst>
   <p:notesMasterIdLst>
-    <p:notesMasterId r:id="rId20"/>
+    <p:notesMasterId r:id="rId19"/>
   </p:notesMasterIdLst>
   <p:sldIdLst>
     <p:sldId id="278" r:id="rId2"/>
@@ -20,12 +20,11 @@
     <p:sldId id="299" r:id="rId11"/>
     <p:sldId id="284" r:id="rId12"/>
     <p:sldId id="283" r:id="rId13"/>
-    <p:sldId id="302" r:id="rId14"/>
-    <p:sldId id="294" r:id="rId15"/>
-    <p:sldId id="281" r:id="rId16"/>
-    <p:sldId id="296" r:id="rId17"/>
-    <p:sldId id="297" r:id="rId18"/>
-    <p:sldId id="293" r:id="rId19"/>
+    <p:sldId id="294" r:id="rId14"/>
+    <p:sldId id="281" r:id="rId15"/>
+    <p:sldId id="296" r:id="rId16"/>
+    <p:sldId id="297" r:id="rId17"/>
+    <p:sldId id="293" r:id="rId18"/>
   </p:sldIdLst>
   <p:sldSz cx="12192000" cy="6858000"/>
   <p:notesSz cx="13716000" cy="24384000"/>
@@ -24894,358 +24893,6 @@
           <p:cNvPr id="2" name="Title 1">
             <a:extLst>
               <a:ext uri="{FF2B5EF4-FFF2-40B4-BE49-F238E27FC236}">
-                <a16:creationId xmlns:a16="http://schemas.microsoft.com/office/drawing/2014/main" id="{2035FE55-3BE4-14A2-8A85-1F5D3FD147ED}"/>
-              </a:ext>
-            </a:extLst>
-          </p:cNvPr>
-          <p:cNvSpPr>
-            <a:spLocks noGrp="1"/>
-          </p:cNvSpPr>
-          <p:nvPr>
-            <p:ph type="title"/>
-          </p:nvPr>
-        </p:nvSpPr>
-        <p:spPr/>
-        <p:txBody>
-          <a:bodyPr/>
-          <a:lstStyle/>
-          <a:p>
-            <a:r>
-              <a:rPr lang="en-US" dirty="0"/>
-              <a:t>Emotion word cloud</a:t>
-            </a:r>
-          </a:p>
-        </p:txBody>
-      </p:sp>
-      <p:sp>
-        <p:nvSpPr>
-          <p:cNvPr id="3" name="Footer Placeholder 2">
-            <a:extLst>
-              <a:ext uri="{FF2B5EF4-FFF2-40B4-BE49-F238E27FC236}">
-                <a16:creationId xmlns:a16="http://schemas.microsoft.com/office/drawing/2014/main" id="{DE22FBA1-0396-42DF-CB3E-48E8AA7A93F8}"/>
-              </a:ext>
-            </a:extLst>
-          </p:cNvPr>
-          <p:cNvSpPr>
-            <a:spLocks noGrp="1"/>
-          </p:cNvSpPr>
-          <p:nvPr>
-            <p:ph type="ftr" sz="quarter" idx="11"/>
-          </p:nvPr>
-        </p:nvSpPr>
-        <p:spPr/>
-        <p:txBody>
-          <a:bodyPr/>
-          <a:lstStyle/>
-          <a:p>
-            <a:r>
-              <a:rPr lang="en-US"/>
-              <a:t>Presentation title</a:t>
-            </a:r>
-            <a:endParaRPr lang="en-US" dirty="0"/>
-          </a:p>
-        </p:txBody>
-      </p:sp>
-      <p:sp>
-        <p:nvSpPr>
-          <p:cNvPr id="4" name="Slide Number Placeholder 3">
-            <a:extLst>
-              <a:ext uri="{FF2B5EF4-FFF2-40B4-BE49-F238E27FC236}">
-                <a16:creationId xmlns:a16="http://schemas.microsoft.com/office/drawing/2014/main" id="{1C90D674-9747-A295-DB9F-DD2A4D53E22E}"/>
-              </a:ext>
-            </a:extLst>
-          </p:cNvPr>
-          <p:cNvSpPr>
-            <a:spLocks noGrp="1"/>
-          </p:cNvSpPr>
-          <p:nvPr>
-            <p:ph type="sldNum" sz="quarter" idx="12"/>
-          </p:nvPr>
-        </p:nvSpPr>
-        <p:spPr/>
-        <p:txBody>
-          <a:bodyPr/>
-          <a:lstStyle/>
-          <a:p>
-            <a:fld id="{48F63A3B-78C7-47BE-AE5E-E10140E04643}" type="slidenum">
-              <a:rPr lang="en-US" smtClean="0"/>
-              <a:pPr/>
-              <a:t>13</a:t>
-            </a:fld>
-            <a:endParaRPr lang="en-US" dirty="0"/>
-          </a:p>
-        </p:txBody>
-      </p:sp>
-      <p:sp>
-        <p:nvSpPr>
-          <p:cNvPr id="7" name="Text Placeholder 6">
-            <a:extLst>
-              <a:ext uri="{FF2B5EF4-FFF2-40B4-BE49-F238E27FC236}">
-                <a16:creationId xmlns:a16="http://schemas.microsoft.com/office/drawing/2014/main" id="{B5583000-D176-E6EF-23FC-2ACC13AB00A8}"/>
-              </a:ext>
-            </a:extLst>
-          </p:cNvPr>
-          <p:cNvSpPr>
-            <a:spLocks noGrp="1"/>
-          </p:cNvSpPr>
-          <p:nvPr>
-            <p:ph type="body" sz="quarter" idx="15"/>
-          </p:nvPr>
-        </p:nvSpPr>
-        <p:spPr/>
-        <p:txBody>
-          <a:bodyPr/>
-          <a:lstStyle/>
-          <a:p>
-            <a:r>
-              <a:rPr lang="en-US" dirty="0"/>
-              <a:t>Surprise</a:t>
-            </a:r>
-          </a:p>
-        </p:txBody>
-      </p:sp>
-      <p:sp>
-        <p:nvSpPr>
-          <p:cNvPr id="10" name="Text Placeholder 9">
-            <a:extLst>
-              <a:ext uri="{FF2B5EF4-FFF2-40B4-BE49-F238E27FC236}">
-                <a16:creationId xmlns:a16="http://schemas.microsoft.com/office/drawing/2014/main" id="{185EBBA5-8B22-46DA-7F9D-35C9929AC981}"/>
-              </a:ext>
-            </a:extLst>
-          </p:cNvPr>
-          <p:cNvSpPr>
-            <a:spLocks noGrp="1"/>
-          </p:cNvSpPr>
-          <p:nvPr>
-            <p:ph type="body" sz="quarter" idx="18"/>
-          </p:nvPr>
-        </p:nvSpPr>
-        <p:spPr/>
-        <p:txBody>
-          <a:bodyPr/>
-          <a:lstStyle/>
-          <a:p>
-            <a:r>
-              <a:rPr lang="en-US" dirty="0"/>
-              <a:t>Fear</a:t>
-            </a:r>
-          </a:p>
-        </p:txBody>
-      </p:sp>
-      <p:sp>
-        <p:nvSpPr>
-          <p:cNvPr id="13" name="Text Placeholder 12">
-            <a:extLst>
-              <a:ext uri="{FF2B5EF4-FFF2-40B4-BE49-F238E27FC236}">
-                <a16:creationId xmlns:a16="http://schemas.microsoft.com/office/drawing/2014/main" id="{71448107-FF5F-90D9-8ADC-8E62B6F7671A}"/>
-              </a:ext>
-            </a:extLst>
-          </p:cNvPr>
-          <p:cNvSpPr>
-            <a:spLocks noGrp="1"/>
-          </p:cNvSpPr>
-          <p:nvPr>
-            <p:ph type="body" sz="quarter" idx="21"/>
-          </p:nvPr>
-        </p:nvSpPr>
-        <p:spPr/>
-        <p:txBody>
-          <a:bodyPr/>
-          <a:lstStyle/>
-          <a:p>
-            <a:r>
-              <a:rPr lang="en-US" dirty="0"/>
-              <a:t>Love</a:t>
-            </a:r>
-          </a:p>
-        </p:txBody>
-      </p:sp>
-      <p:sp>
-        <p:nvSpPr>
-          <p:cNvPr id="16" name="Text Placeholder 15">
-            <a:extLst>
-              <a:ext uri="{FF2B5EF4-FFF2-40B4-BE49-F238E27FC236}">
-                <a16:creationId xmlns:a16="http://schemas.microsoft.com/office/drawing/2014/main" id="{4B444C96-0B0E-357B-142E-C183BE18E84D}"/>
-              </a:ext>
-            </a:extLst>
-          </p:cNvPr>
-          <p:cNvSpPr>
-            <a:spLocks noGrp="1"/>
-          </p:cNvSpPr>
-          <p:nvPr>
-            <p:ph type="body" sz="quarter" idx="24"/>
-          </p:nvPr>
-        </p:nvSpPr>
-        <p:spPr/>
-        <p:txBody>
-          <a:bodyPr/>
-          <a:lstStyle/>
-          <a:p>
-            <a:r>
-              <a:rPr lang="en-US" dirty="0"/>
-              <a:t>Sadness</a:t>
-            </a:r>
-          </a:p>
-        </p:txBody>
-      </p:sp>
-      <p:pic>
-        <p:nvPicPr>
-          <p:cNvPr id="36" name="Picture Placeholder 35" descr="Text&#10;&#10;Description automatically generated">
-            <a:extLst>
-              <a:ext uri="{FF2B5EF4-FFF2-40B4-BE49-F238E27FC236}">
-                <a16:creationId xmlns:a16="http://schemas.microsoft.com/office/drawing/2014/main" id="{B34415B7-71BD-7649-A596-271DA3B476F8}"/>
-              </a:ext>
-            </a:extLst>
-          </p:cNvPr>
-          <p:cNvPicPr>
-            <a:picLocks noGrp="1" noChangeAspect="1"/>
-          </p:cNvPicPr>
-          <p:nvPr>
-            <p:ph type="pic" sz="quarter" idx="17"/>
-          </p:nvPr>
-        </p:nvPicPr>
-        <p:blipFill>
-          <a:blip r:embed="rId2"/>
-          <a:srcRect l="8151" r="8151"/>
-          <a:stretch>
-            <a:fillRect/>
-          </a:stretch>
-        </p:blipFill>
-        <p:spPr>
-          <a:xfrm>
-            <a:off x="3517900" y="2392363"/>
-            <a:ext cx="2597150" cy="3205162"/>
-          </a:xfrm>
-        </p:spPr>
-      </p:pic>
-      <p:pic>
-        <p:nvPicPr>
-          <p:cNvPr id="40" name="Picture Placeholder 39" descr="Text&#10;&#10;Description automatically generated">
-            <a:extLst>
-              <a:ext uri="{FF2B5EF4-FFF2-40B4-BE49-F238E27FC236}">
-                <a16:creationId xmlns:a16="http://schemas.microsoft.com/office/drawing/2014/main" id="{927BF8E7-B058-71BA-354D-8DEC0E6F5F36}"/>
-              </a:ext>
-            </a:extLst>
-          </p:cNvPr>
-          <p:cNvPicPr>
-            <a:picLocks noGrp="1" noChangeAspect="1"/>
-          </p:cNvPicPr>
-          <p:nvPr>
-            <p:ph type="pic" sz="quarter" idx="20"/>
-          </p:nvPr>
-        </p:nvPicPr>
-        <p:blipFill>
-          <a:blip r:embed="rId3"/>
-          <a:srcRect l="8172" r="8172"/>
-          <a:stretch>
-            <a:fillRect/>
-          </a:stretch>
-        </p:blipFill>
-        <p:spPr>
-          <a:xfrm>
-            <a:off x="6275388" y="2393950"/>
-            <a:ext cx="2597150" cy="3206750"/>
-          </a:xfrm>
-        </p:spPr>
-      </p:pic>
-      <p:pic>
-        <p:nvPicPr>
-          <p:cNvPr id="48" name="Picture Placeholder 47" descr="Text&#10;&#10;Description automatically generated">
-            <a:extLst>
-              <a:ext uri="{FF2B5EF4-FFF2-40B4-BE49-F238E27FC236}">
-                <a16:creationId xmlns:a16="http://schemas.microsoft.com/office/drawing/2014/main" id="{809C937E-AC33-28A2-2B40-5EB150B91C49}"/>
-              </a:ext>
-            </a:extLst>
-          </p:cNvPr>
-          <p:cNvPicPr>
-            <a:picLocks noGrp="1" noChangeAspect="1"/>
-          </p:cNvPicPr>
-          <p:nvPr>
-            <p:ph type="pic" sz="quarter" idx="13"/>
-          </p:nvPr>
-        </p:nvPicPr>
-        <p:blipFill>
-          <a:blip r:embed="rId4"/>
-          <a:srcRect l="8151" r="8151"/>
-          <a:stretch>
-            <a:fillRect/>
-          </a:stretch>
-        </p:blipFill>
-        <p:spPr>
-          <a:xfrm>
-            <a:off x="758825" y="2392363"/>
-            <a:ext cx="2599846" cy="3208453"/>
-          </a:xfrm>
-          <a:prstGeom prst="rect">
-            <a:avLst/>
-          </a:prstGeom>
-        </p:spPr>
-      </p:pic>
-      <p:pic>
-        <p:nvPicPr>
-          <p:cNvPr id="52" name="Picture Placeholder 51" descr="Text&#10;&#10;Description automatically generated with low confidence">
-            <a:extLst>
-              <a:ext uri="{FF2B5EF4-FFF2-40B4-BE49-F238E27FC236}">
-                <a16:creationId xmlns:a16="http://schemas.microsoft.com/office/drawing/2014/main" id="{68EF4AAC-9C40-A430-C50B-E2B45887BA01}"/>
-              </a:ext>
-            </a:extLst>
-          </p:cNvPr>
-          <p:cNvPicPr>
-            <a:picLocks noGrp="1" noChangeAspect="1"/>
-          </p:cNvPicPr>
-          <p:nvPr>
-            <p:ph type="pic" sz="quarter" idx="23"/>
-          </p:nvPr>
-        </p:nvPicPr>
-        <p:blipFill>
-          <a:blip r:embed="rId5"/>
-          <a:srcRect l="8131" r="8131"/>
-          <a:stretch>
-            <a:fillRect/>
-          </a:stretch>
-        </p:blipFill>
-        <p:spPr>
-          <a:xfrm>
-            <a:off x="9034463" y="2393950"/>
-            <a:ext cx="2597150" cy="3203575"/>
-          </a:xfrm>
-        </p:spPr>
-      </p:pic>
-    </p:spTree>
-    <p:extLst>
-      <p:ext uri="{BB962C8B-B14F-4D97-AF65-F5344CB8AC3E}">
-        <p14:creationId xmlns:p14="http://schemas.microsoft.com/office/powerpoint/2010/main" val="1979289079"/>
-      </p:ext>
-    </p:extLst>
-  </p:cSld>
-  <p:clrMapOvr>
-    <a:masterClrMapping/>
-  </p:clrMapOvr>
-</p:sld>
-</file>
-
-<file path=ppt/slides/slide14.xml><?xml version="1.0" encoding="utf-8"?>
-<p:sld xmlns:a="http://schemas.openxmlformats.org/drawingml/2006/main" xmlns:r="http://schemas.openxmlformats.org/officeDocument/2006/relationships" xmlns:p="http://schemas.openxmlformats.org/presentationml/2006/main">
-  <p:cSld>
-    <p:spTree>
-      <p:nvGrpSpPr>
-        <p:cNvPr id="1" name=""/>
-        <p:cNvGrpSpPr/>
-        <p:nvPr/>
-      </p:nvGrpSpPr>
-      <p:grpSpPr>
-        <a:xfrm>
-          <a:off x="0" y="0"/>
-          <a:ext cx="0" cy="0"/>
-          <a:chOff x="0" y="0"/>
-          <a:chExt cx="0" cy="0"/>
-        </a:xfrm>
-      </p:grpSpPr>
-      <p:sp>
-        <p:nvSpPr>
-          <p:cNvPr id="2" name="Title 1">
-            <a:extLst>
-              <a:ext uri="{FF2B5EF4-FFF2-40B4-BE49-F238E27FC236}">
                 <a16:creationId xmlns:a16="http://schemas.microsoft.com/office/drawing/2014/main" id="{2A77B1C6-44C4-C93C-1828-C2F03C6725A4}"/>
               </a:ext>
             </a:extLst>
@@ -25333,7 +24980,7 @@
           <a:p>
             <a:r>
               <a:rPr lang="en-US" dirty="0"/>
-              <a:t>Accuracy: 1016.73005</a:t>
+              <a:t>RMSE: 1016.73005</a:t>
             </a:r>
           </a:p>
           <a:p>
@@ -25446,7 +25093,7 @@
           <a:p>
             <a:fld id="{48F63A3B-78C7-47BE-AE5E-E10140E04643}" type="slidenum">
               <a:rPr lang="en-US" smtClean="0"/>
-              <a:t>14</a:t>
+              <a:t>13</a:t>
             </a:fld>
             <a:endParaRPr lang="en-US" dirty="0"/>
           </a:p>
@@ -25465,7 +25112,7 @@
 </p:sld>
 </file>
 
-<file path=ppt/slides/slide15.xml><?xml version="1.0" encoding="utf-8"?>
+<file path=ppt/slides/slide14.xml><?xml version="1.0" encoding="utf-8"?>
 <p:sld xmlns:a="http://schemas.openxmlformats.org/drawingml/2006/main" xmlns:r="http://schemas.openxmlformats.org/officeDocument/2006/relationships" xmlns:p="http://schemas.openxmlformats.org/presentationml/2006/main">
   <p:cSld>
     <p:spTree>
@@ -25555,6 +25202,181 @@
     <p:extLst>
       <p:ext uri="{BB962C8B-B14F-4D97-AF65-F5344CB8AC3E}">
         <p14:creationId xmlns:p14="http://schemas.microsoft.com/office/powerpoint/2010/main" val="2952923800"/>
+      </p:ext>
+    </p:extLst>
+  </p:cSld>
+  <p:clrMapOvr>
+    <a:masterClrMapping/>
+  </p:clrMapOvr>
+</p:sld>
+</file>
+
+<file path=ppt/slides/slide15.xml><?xml version="1.0" encoding="utf-8"?>
+<p:sld xmlns:a="http://schemas.openxmlformats.org/drawingml/2006/main" xmlns:r="http://schemas.openxmlformats.org/officeDocument/2006/relationships" xmlns:p="http://schemas.openxmlformats.org/presentationml/2006/main">
+  <p:cSld>
+    <p:spTree>
+      <p:nvGrpSpPr>
+        <p:cNvPr id="1" name=""/>
+        <p:cNvGrpSpPr/>
+        <p:nvPr/>
+      </p:nvGrpSpPr>
+      <p:grpSpPr>
+        <a:xfrm>
+          <a:off x="0" y="0"/>
+          <a:ext cx="0" cy="0"/>
+          <a:chOff x="0" y="0"/>
+          <a:chExt cx="0" cy="0"/>
+        </a:xfrm>
+      </p:grpSpPr>
+      <p:sp>
+        <p:nvSpPr>
+          <p:cNvPr id="2" name="Title 1">
+            <a:extLst>
+              <a:ext uri="{FF2B5EF4-FFF2-40B4-BE49-F238E27FC236}">
+                <a16:creationId xmlns:a16="http://schemas.microsoft.com/office/drawing/2014/main" id="{1FD02EBB-707A-4159-EE0C-23686A231937}"/>
+              </a:ext>
+            </a:extLst>
+          </p:cNvPr>
+          <p:cNvSpPr>
+            <a:spLocks noGrp="1"/>
+          </p:cNvSpPr>
+          <p:nvPr>
+            <p:ph type="title"/>
+          </p:nvPr>
+        </p:nvSpPr>
+        <p:spPr>
+          <a:xfrm>
+            <a:off x="1508760" y="1319784"/>
+            <a:ext cx="6766560" cy="1331976"/>
+          </a:xfrm>
+        </p:spPr>
+        <p:txBody>
+          <a:bodyPr/>
+          <a:lstStyle/>
+          <a:p>
+            <a:r>
+              <a:rPr lang="en-US" dirty="0"/>
+              <a:t>Future development</a:t>
+            </a:r>
+          </a:p>
+        </p:txBody>
+      </p:sp>
+      <p:sp>
+        <p:nvSpPr>
+          <p:cNvPr id="3" name="Content Placeholder 2">
+            <a:extLst>
+              <a:ext uri="{FF2B5EF4-FFF2-40B4-BE49-F238E27FC236}">
+                <a16:creationId xmlns:a16="http://schemas.microsoft.com/office/drawing/2014/main" id="{3266C3F5-6486-6B56-FAB5-6943D0F2105A}"/>
+              </a:ext>
+            </a:extLst>
+          </p:cNvPr>
+          <p:cNvSpPr>
+            <a:spLocks noGrp="1"/>
+          </p:cNvSpPr>
+          <p:nvPr>
+            <p:ph idx="1"/>
+          </p:nvPr>
+        </p:nvSpPr>
+        <p:spPr/>
+        <p:txBody>
+          <a:bodyPr/>
+          <a:lstStyle/>
+          <a:p>
+            <a:pPr marL="285750" indent="-285750">
+              <a:buFont typeface="Arial" panose="020B0604020202020204" pitchFamily="34" charset="0"/>
+              <a:buChar char="•"/>
+            </a:pPr>
+            <a:r>
+              <a:rPr lang="en-US" dirty="0"/>
+              <a:t>Add the ability to process a full conversation</a:t>
+            </a:r>
+          </a:p>
+          <a:p>
+            <a:pPr marL="285750" indent="-285750">
+              <a:buFont typeface="Arial" panose="020B0604020202020204" pitchFamily="34" charset="0"/>
+              <a:buChar char="•"/>
+            </a:pPr>
+            <a:r>
+              <a:rPr lang="en-US" dirty="0"/>
+              <a:t>Use a larger and more comprehensive (text – emotion – emoji) dataset to add to the 25 emojis</a:t>
+            </a:r>
+          </a:p>
+          <a:p>
+            <a:pPr marL="285750" indent="-285750">
+              <a:buFont typeface="Arial" panose="020B0604020202020204" pitchFamily="34" charset="0"/>
+              <a:buChar char="•"/>
+            </a:pPr>
+            <a:r>
+              <a:rPr lang="en-US" dirty="0"/>
+              <a:t>Train a deep learning model and compare results</a:t>
+            </a:r>
+          </a:p>
+          <a:p>
+            <a:endParaRPr lang="en-US" dirty="0"/>
+          </a:p>
+        </p:txBody>
+      </p:sp>
+      <p:sp>
+        <p:nvSpPr>
+          <p:cNvPr id="4" name="Slide Number Placeholder 3">
+            <a:extLst>
+              <a:ext uri="{FF2B5EF4-FFF2-40B4-BE49-F238E27FC236}">
+                <a16:creationId xmlns:a16="http://schemas.microsoft.com/office/drawing/2014/main" id="{1E3C2B83-D5C1-F441-A12B-E3236E039521}"/>
+              </a:ext>
+            </a:extLst>
+          </p:cNvPr>
+          <p:cNvSpPr>
+            <a:spLocks noGrp="1"/>
+          </p:cNvSpPr>
+          <p:nvPr>
+            <p:ph type="sldNum" sz="quarter" idx="12"/>
+          </p:nvPr>
+        </p:nvSpPr>
+        <p:spPr/>
+        <p:txBody>
+          <a:bodyPr/>
+          <a:lstStyle/>
+          <a:p>
+            <a:fld id="{48F63A3B-78C7-47BE-AE5E-E10140E04643}" type="slidenum">
+              <a:rPr lang="en-US" smtClean="0"/>
+              <a:t>15</a:t>
+            </a:fld>
+            <a:endParaRPr lang="en-US" dirty="0"/>
+          </a:p>
+        </p:txBody>
+      </p:sp>
+      <p:sp>
+        <p:nvSpPr>
+          <p:cNvPr id="5" name="Footer Placeholder 4">
+            <a:extLst>
+              <a:ext uri="{FF2B5EF4-FFF2-40B4-BE49-F238E27FC236}">
+                <a16:creationId xmlns:a16="http://schemas.microsoft.com/office/drawing/2014/main" id="{34A09F00-7CCA-3F90-E6D1-DEF7986788E5}"/>
+              </a:ext>
+            </a:extLst>
+          </p:cNvPr>
+          <p:cNvSpPr>
+            <a:spLocks noGrp="1"/>
+          </p:cNvSpPr>
+          <p:nvPr>
+            <p:ph type="ftr" sz="quarter" idx="13"/>
+          </p:nvPr>
+        </p:nvSpPr>
+        <p:spPr/>
+        <p:txBody>
+          <a:bodyPr/>
+          <a:lstStyle/>
+          <a:p>
+            <a:r>
+              <a:rPr lang="en-US" dirty="0"/>
+              <a:t>Emotion based emoji suggestion</a:t>
+            </a:r>
+          </a:p>
+        </p:txBody>
+      </p:sp>
+    </p:spTree>
+    <p:extLst>
+      <p:ext uri="{BB962C8B-B14F-4D97-AF65-F5344CB8AC3E}">
+        <p14:creationId xmlns:p14="http://schemas.microsoft.com/office/powerpoint/2010/main" val="3666663088"/>
       </p:ext>
     </p:extLst>
   </p:cSld>
@@ -25597,19 +25419,14 @@
             <p:ph type="title"/>
           </p:nvPr>
         </p:nvSpPr>
-        <p:spPr>
-          <a:xfrm>
-            <a:off x="1508760" y="1319784"/>
-            <a:ext cx="6766560" cy="1331976"/>
-          </a:xfrm>
-        </p:spPr>
+        <p:spPr/>
         <p:txBody>
           <a:bodyPr/>
           <a:lstStyle/>
           <a:p>
             <a:r>
               <a:rPr lang="en-US" dirty="0"/>
-              <a:t>Future development</a:t>
+              <a:t>References</a:t>
             </a:r>
           </a:p>
         </p:txBody>
@@ -25640,8 +25457,22 @@
               <a:buChar char="•"/>
             </a:pPr>
             <a:r>
+              <a:rPr lang="en-US" dirty="0">
+                <a:hlinkClick r:id="rId2"/>
+              </a:rPr>
+              <a:t>Dataset 1: </a:t>
+            </a:r>
+          </a:p>
+          <a:p>
+            <a:r>
+              <a:rPr lang="en-US" dirty="0">
+                <a:hlinkClick r:id="rId2"/>
+              </a:rPr>
+              <a:t>https://www.kaggle.com/datasets/rexhaif/emojifydata-en?select=emojitweets-01-04-2018.txt</a:t>
+            </a:r>
+            <a:r>
               <a:rPr lang="en-US" dirty="0"/>
-              <a:t>Add the ability to process a full conversation</a:t>
+              <a:t> </a:t>
             </a:r>
           </a:p>
           <a:p>
@@ -25650,9 +25481,20 @@
               <a:buChar char="•"/>
             </a:pPr>
             <a:r>
-              <a:rPr lang="en-US" dirty="0"/>
-              <a:t>Use a larger and more comprehensive (text – emotion – emoji) dataset to add to the 25 emojis</a:t>
+              <a:rPr lang="en-US" dirty="0">
+                <a:hlinkClick r:id="rId3"/>
+              </a:rPr>
+              <a:t>Dataset 2:</a:t>
             </a:r>
+          </a:p>
+          <a:p>
+            <a:r>
+              <a:rPr lang="en-US" dirty="0">
+                <a:hlinkClick r:id="rId3"/>
+              </a:rPr>
+              <a:t>https://www.clarin.si/repository/xmlui/handle/11356/1048</a:t>
+            </a:r>
+            <a:endParaRPr lang="en-US" dirty="0"/>
           </a:p>
           <a:p>
             <a:pPr marL="285750" indent="-285750">
@@ -25660,11 +25502,29 @@
               <a:buChar char="•"/>
             </a:pPr>
             <a:r>
+              <a:rPr lang="en-US" dirty="0">
+                <a:hlinkClick r:id="rId4"/>
+              </a:rPr>
+              <a:t>Dataset 3:</a:t>
+            </a:r>
+          </a:p>
+          <a:p>
+            <a:r>
+              <a:rPr lang="en-US" dirty="0">
+                <a:hlinkClick r:id="rId4"/>
+              </a:rPr>
+              <a:t>https://www.kaggle.com/datasets/praveengovi/emotions-dataset-for-nlp?resource=download&amp;select=train.txt</a:t>
+            </a:r>
+            <a:r>
               <a:rPr lang="en-US" dirty="0"/>
-              <a:t>Train a deep learning model and compare results</a:t>
+              <a:t>  </a:t>
             </a:r>
           </a:p>
           <a:p>
+            <a:pPr marL="285750" indent="-285750">
+              <a:buFont typeface="Arial" panose="020B0604020202020204" pitchFamily="34" charset="0"/>
+              <a:buChar char="•"/>
+            </a:pPr>
             <a:endParaRPr lang="en-US" dirty="0"/>
           </a:p>
         </p:txBody>
@@ -25729,7 +25589,7 @@
     </p:spTree>
     <p:extLst>
       <p:ext uri="{BB962C8B-B14F-4D97-AF65-F5344CB8AC3E}">
-        <p14:creationId xmlns:p14="http://schemas.microsoft.com/office/powerpoint/2010/main" val="3666663088"/>
+        <p14:creationId xmlns:p14="http://schemas.microsoft.com/office/powerpoint/2010/main" val="3174260957"/>
       </p:ext>
     </p:extLst>
   </p:cSld>
@@ -25740,219 +25600,6 @@
 </file>
 
 <file path=ppt/slides/slide17.xml><?xml version="1.0" encoding="utf-8"?>
-<p:sld xmlns:a="http://schemas.openxmlformats.org/drawingml/2006/main" xmlns:r="http://schemas.openxmlformats.org/officeDocument/2006/relationships" xmlns:p="http://schemas.openxmlformats.org/presentationml/2006/main">
-  <p:cSld>
-    <p:spTree>
-      <p:nvGrpSpPr>
-        <p:cNvPr id="1" name=""/>
-        <p:cNvGrpSpPr/>
-        <p:nvPr/>
-      </p:nvGrpSpPr>
-      <p:grpSpPr>
-        <a:xfrm>
-          <a:off x="0" y="0"/>
-          <a:ext cx="0" cy="0"/>
-          <a:chOff x="0" y="0"/>
-          <a:chExt cx="0" cy="0"/>
-        </a:xfrm>
-      </p:grpSpPr>
-      <p:sp>
-        <p:nvSpPr>
-          <p:cNvPr id="2" name="Title 1">
-            <a:extLst>
-              <a:ext uri="{FF2B5EF4-FFF2-40B4-BE49-F238E27FC236}">
-                <a16:creationId xmlns:a16="http://schemas.microsoft.com/office/drawing/2014/main" id="{1FD02EBB-707A-4159-EE0C-23686A231937}"/>
-              </a:ext>
-            </a:extLst>
-          </p:cNvPr>
-          <p:cNvSpPr>
-            <a:spLocks noGrp="1"/>
-          </p:cNvSpPr>
-          <p:nvPr>
-            <p:ph type="title"/>
-          </p:nvPr>
-        </p:nvSpPr>
-        <p:spPr/>
-        <p:txBody>
-          <a:bodyPr/>
-          <a:lstStyle/>
-          <a:p>
-            <a:r>
-              <a:rPr lang="en-US" dirty="0"/>
-              <a:t>References</a:t>
-            </a:r>
-          </a:p>
-        </p:txBody>
-      </p:sp>
-      <p:sp>
-        <p:nvSpPr>
-          <p:cNvPr id="3" name="Content Placeholder 2">
-            <a:extLst>
-              <a:ext uri="{FF2B5EF4-FFF2-40B4-BE49-F238E27FC236}">
-                <a16:creationId xmlns:a16="http://schemas.microsoft.com/office/drawing/2014/main" id="{3266C3F5-6486-6B56-FAB5-6943D0F2105A}"/>
-              </a:ext>
-            </a:extLst>
-          </p:cNvPr>
-          <p:cNvSpPr>
-            <a:spLocks noGrp="1"/>
-          </p:cNvSpPr>
-          <p:nvPr>
-            <p:ph idx="1"/>
-          </p:nvPr>
-        </p:nvSpPr>
-        <p:spPr/>
-        <p:txBody>
-          <a:bodyPr/>
-          <a:lstStyle/>
-          <a:p>
-            <a:pPr marL="285750" indent="-285750">
-              <a:buFont typeface="Arial" panose="020B0604020202020204" pitchFamily="34" charset="0"/>
-              <a:buChar char="•"/>
-            </a:pPr>
-            <a:r>
-              <a:rPr lang="en-US" dirty="0">
-                <a:hlinkClick r:id="rId2"/>
-              </a:rPr>
-              <a:t>Dataset 1: </a:t>
-            </a:r>
-          </a:p>
-          <a:p>
-            <a:r>
-              <a:rPr lang="en-US" dirty="0">
-                <a:hlinkClick r:id="rId2"/>
-              </a:rPr>
-              <a:t>https://www.kaggle.com/datasets/rexhaif/emojifydata-en?select=emojitweets-01-04-2018.txt</a:t>
-            </a:r>
-            <a:r>
-              <a:rPr lang="en-US" dirty="0"/>
-              <a:t> </a:t>
-            </a:r>
-          </a:p>
-          <a:p>
-            <a:pPr marL="285750" indent="-285750">
-              <a:buFont typeface="Arial" panose="020B0604020202020204" pitchFamily="34" charset="0"/>
-              <a:buChar char="•"/>
-            </a:pPr>
-            <a:r>
-              <a:rPr lang="en-US" dirty="0">
-                <a:hlinkClick r:id="rId3"/>
-              </a:rPr>
-              <a:t>Dataset 2:</a:t>
-            </a:r>
-          </a:p>
-          <a:p>
-            <a:r>
-              <a:rPr lang="en-US" dirty="0">
-                <a:hlinkClick r:id="rId3"/>
-              </a:rPr>
-              <a:t>https://www.clarin.si/repository/xmlui/handle/11356/1048</a:t>
-            </a:r>
-            <a:endParaRPr lang="en-US" dirty="0"/>
-          </a:p>
-          <a:p>
-            <a:pPr marL="285750" indent="-285750">
-              <a:buFont typeface="Arial" panose="020B0604020202020204" pitchFamily="34" charset="0"/>
-              <a:buChar char="•"/>
-            </a:pPr>
-            <a:r>
-              <a:rPr lang="en-US" dirty="0">
-                <a:hlinkClick r:id="rId4"/>
-              </a:rPr>
-              <a:t>Dataset 3:</a:t>
-            </a:r>
-          </a:p>
-          <a:p>
-            <a:r>
-              <a:rPr lang="en-US" dirty="0">
-                <a:hlinkClick r:id="rId4"/>
-              </a:rPr>
-              <a:t>https://www.kaggle.com/datasets/praveengovi/emotions-dataset-for-nlp?resource=download&amp;select=train.txt</a:t>
-            </a:r>
-            <a:r>
-              <a:rPr lang="en-US" dirty="0"/>
-              <a:t>  </a:t>
-            </a:r>
-          </a:p>
-          <a:p>
-            <a:pPr marL="285750" indent="-285750">
-              <a:buFont typeface="Arial" panose="020B0604020202020204" pitchFamily="34" charset="0"/>
-              <a:buChar char="•"/>
-            </a:pPr>
-            <a:endParaRPr lang="en-US" dirty="0"/>
-          </a:p>
-        </p:txBody>
-      </p:sp>
-      <p:sp>
-        <p:nvSpPr>
-          <p:cNvPr id="4" name="Slide Number Placeholder 3">
-            <a:extLst>
-              <a:ext uri="{FF2B5EF4-FFF2-40B4-BE49-F238E27FC236}">
-                <a16:creationId xmlns:a16="http://schemas.microsoft.com/office/drawing/2014/main" id="{1E3C2B83-D5C1-F441-A12B-E3236E039521}"/>
-              </a:ext>
-            </a:extLst>
-          </p:cNvPr>
-          <p:cNvSpPr>
-            <a:spLocks noGrp="1"/>
-          </p:cNvSpPr>
-          <p:nvPr>
-            <p:ph type="sldNum" sz="quarter" idx="12"/>
-          </p:nvPr>
-        </p:nvSpPr>
-        <p:spPr/>
-        <p:txBody>
-          <a:bodyPr/>
-          <a:lstStyle/>
-          <a:p>
-            <a:fld id="{48F63A3B-78C7-47BE-AE5E-E10140E04643}" type="slidenum">
-              <a:rPr lang="en-US" smtClean="0"/>
-              <a:t>17</a:t>
-            </a:fld>
-            <a:endParaRPr lang="en-US" dirty="0"/>
-          </a:p>
-        </p:txBody>
-      </p:sp>
-      <p:sp>
-        <p:nvSpPr>
-          <p:cNvPr id="5" name="Footer Placeholder 4">
-            <a:extLst>
-              <a:ext uri="{FF2B5EF4-FFF2-40B4-BE49-F238E27FC236}">
-                <a16:creationId xmlns:a16="http://schemas.microsoft.com/office/drawing/2014/main" id="{34A09F00-7CCA-3F90-E6D1-DEF7986788E5}"/>
-              </a:ext>
-            </a:extLst>
-          </p:cNvPr>
-          <p:cNvSpPr>
-            <a:spLocks noGrp="1"/>
-          </p:cNvSpPr>
-          <p:nvPr>
-            <p:ph type="ftr" sz="quarter" idx="13"/>
-          </p:nvPr>
-        </p:nvSpPr>
-        <p:spPr/>
-        <p:txBody>
-          <a:bodyPr/>
-          <a:lstStyle/>
-          <a:p>
-            <a:r>
-              <a:rPr lang="en-US" dirty="0"/>
-              <a:t>Emotion based emoji suggestion</a:t>
-            </a:r>
-          </a:p>
-        </p:txBody>
-      </p:sp>
-    </p:spTree>
-    <p:extLst>
-      <p:ext uri="{BB962C8B-B14F-4D97-AF65-F5344CB8AC3E}">
-        <p14:creationId xmlns:p14="http://schemas.microsoft.com/office/powerpoint/2010/main" val="3174260957"/>
-      </p:ext>
-    </p:extLst>
-  </p:cSld>
-  <p:clrMapOvr>
-    <a:masterClrMapping/>
-  </p:clrMapOvr>
-</p:sld>
-</file>
-
-<file path=ppt/slides/slide18.xml><?xml version="1.0" encoding="utf-8"?>
 <p:sld xmlns:a="http://schemas.openxmlformats.org/drawingml/2006/main" xmlns:r="http://schemas.openxmlformats.org/officeDocument/2006/relationships" xmlns:p="http://schemas.openxmlformats.org/presentationml/2006/main">
   <p:cSld>
     <p:spTree>
